--- a/doc/勉強会_WebRTC_SkyWay.pptx
+++ b/doc/勉強会_WebRTC_SkyWay.pptx
@@ -4366,8 +4366,8 @@
         </p:nvSpPr>
         <p:spPr>
           <a:xfrm>
-            <a:off x="629920" y="1169670"/>
-            <a:ext cx="10836910" cy="4707890"/>
+            <a:off x="629920" y="1159510"/>
+            <a:ext cx="10836910" cy="5631180"/>
           </a:xfrm>
           <a:prstGeom prst="rect">
             <a:avLst/>
@@ -4561,14 +4561,59 @@
             </a:endParaRPr>
           </a:p>
           <a:p>
-            <a:pPr marL="342900" indent="-342900">
+            <a:pPr indent="0">
               <a:lnSpc>
                 <a:spcPct val="150000"/>
               </a:lnSpc>
               <a:buFont typeface="Wingdings" panose="05000000000000000000" charset="0"/>
-              <a:buChar char="§"/>
+              <a:buNone/>
             </a:pPr>
-            <a:endParaRPr lang="en-US" altLang="ja-JP" sz="2000" dirty="0">
+            <a:endParaRPr sz="2000" dirty="0">
+              <a:latin typeface="Century Gothic" panose="020B0502020202020204" pitchFamily="34" charset="0"/>
+              <a:ea typeface="Montserrat" charset="0"/>
+              <a:cs typeface="Montserrat" charset="0"/>
+            </a:endParaRPr>
+          </a:p>
+          <a:p>
+            <a:pPr indent="0">
+              <a:lnSpc>
+                <a:spcPct val="150000"/>
+              </a:lnSpc>
+              <a:buFont typeface="Wingdings" panose="05000000000000000000" charset="0"/>
+              <a:buNone/>
+            </a:pPr>
+            <a:r>
+              <a:rPr lang="ja-JP" altLang="en-US" sz="2000" dirty="0">
+                <a:latin typeface="Century Gothic" panose="020B0502020202020204" pitchFamily="34" charset="0"/>
+                <a:ea typeface="Montserrat" charset="0"/>
+                <a:cs typeface="Montserrat" charset="0"/>
+              </a:rPr>
+              <a:t>　</a:t>
+            </a:r>
+            <a:endParaRPr lang="ja-JP" altLang="en-US" sz="2000" dirty="0">
+              <a:latin typeface="Century Gothic" panose="020B0502020202020204" pitchFamily="34" charset="0"/>
+              <a:ea typeface="Montserrat" charset="0"/>
+              <a:cs typeface="Montserrat" charset="0"/>
+            </a:endParaRPr>
+          </a:p>
+          <a:p>
+            <a:pPr indent="0">
+              <a:lnSpc>
+                <a:spcPct val="150000"/>
+              </a:lnSpc>
+              <a:buFont typeface="Wingdings" panose="05000000000000000000" charset="0"/>
+              <a:buNone/>
+            </a:pPr>
+            <a:r>
+              <a:rPr lang="ja-JP" altLang="en-US" sz="2000" dirty="0">
+                <a:latin typeface="Century Gothic" panose="020B0502020202020204" pitchFamily="34" charset="0"/>
+                <a:ea typeface="Montserrat" charset="0"/>
+                <a:cs typeface="Montserrat" charset="0"/>
+                <a:hlinkClick r:id="rId1" tooltip="" action="ppaction://hlinkfile"/>
+              </a:rPr>
+              <a:t>https://webrtc.ecl.ntt.com/documents/javascript-sdk.html#%E6%A6%82%E8%A6%81</a:t>
+            </a:r>
+            <a:endParaRPr lang="ja-JP" altLang="en-US" sz="2000" dirty="0">
               <a:latin typeface="Century Gothic" panose="020B0502020202020204" pitchFamily="34" charset="0"/>
               <a:ea typeface="Montserrat" charset="0"/>
               <a:cs typeface="Montserrat" charset="0"/>
@@ -4587,7 +4632,7 @@
           </p:nvPr>
         </p:nvPicPr>
         <p:blipFill>
-          <a:blip r:embed="rId1"/>
+          <a:blip r:embed="rId2"/>
           <a:stretch>
             <a:fillRect/>
           </a:stretch>
@@ -4611,7 +4656,7 @@
           <p:nvPr/>
         </p:nvPicPr>
         <p:blipFill>
-          <a:blip r:embed="rId2"/>
+          <a:blip r:embed="rId3"/>
           <a:stretch>
             <a:fillRect/>
           </a:stretch>

--- a/doc/勉強会_WebRTC_SkyWay.pptx
+++ b/doc/勉強会_WebRTC_SkyWay.pptx
@@ -4321,43 +4321,6 @@
           </a:p>
         </p:txBody>
       </p:sp>
-      <p:cxnSp>
-        <p:nvCxnSpPr>
-          <p:cNvPr id="41" name="Straight Connector 13"/>
-          <p:cNvCxnSpPr/>
-          <p:nvPr/>
-        </p:nvCxnSpPr>
-        <p:spPr>
-          <a:xfrm>
-            <a:off x="879679" y="6158533"/>
-            <a:ext cx="4355261" cy="0"/>
-          </a:xfrm>
-          <a:prstGeom prst="line">
-            <a:avLst/>
-          </a:prstGeom>
-          <a:ln w="38100">
-            <a:solidFill>
-              <a:schemeClr val="tx1">
-                <a:alpha val="10000"/>
-              </a:schemeClr>
-            </a:solidFill>
-          </a:ln>
-        </p:spPr>
-        <p:style>
-          <a:lnRef idx="1">
-            <a:schemeClr val="accent1"/>
-          </a:lnRef>
-          <a:fillRef idx="0">
-            <a:schemeClr val="accent1"/>
-          </a:fillRef>
-          <a:effectRef idx="0">
-            <a:schemeClr val="accent1"/>
-          </a:effectRef>
-          <a:fontRef idx="minor">
-            <a:schemeClr val="tx1"/>
-          </a:fontRef>
-        </p:style>
-      </p:cxnSp>
       <p:sp>
         <p:nvSpPr>
           <p:cNvPr id="37" name="TextBox 9"/>
@@ -4367,7 +4330,7 @@
         <p:spPr>
           <a:xfrm>
             <a:off x="629920" y="1159510"/>
-            <a:ext cx="10836910" cy="5631180"/>
+            <a:ext cx="10836910" cy="5169535"/>
           </a:xfrm>
           <a:prstGeom prst="rect">
             <a:avLst/>
@@ -4568,7 +4531,15 @@
               <a:buFont typeface="Wingdings" panose="05000000000000000000" charset="0"/>
               <a:buNone/>
             </a:pPr>
-            <a:endParaRPr sz="2000" dirty="0">
+            <a:r>
+              <a:rPr lang="ja-JP" altLang="en-US" sz="2000" dirty="0">
+                <a:latin typeface="Century Gothic" panose="020B0502020202020204" pitchFamily="34" charset="0"/>
+                <a:ea typeface="Montserrat" charset="0"/>
+                <a:cs typeface="Montserrat" charset="0"/>
+              </a:rPr>
+              <a:t>　</a:t>
+            </a:r>
+            <a:endParaRPr lang="ja-JP" altLang="en-US" sz="2000" dirty="0">
               <a:latin typeface="Century Gothic" panose="020B0502020202020204" pitchFamily="34" charset="0"/>
               <a:ea typeface="Montserrat" charset="0"/>
               <a:cs typeface="Montserrat" charset="0"/>
@@ -4587,29 +4558,8 @@
                 <a:latin typeface="Century Gothic" panose="020B0502020202020204" pitchFamily="34" charset="0"/>
                 <a:ea typeface="Montserrat" charset="0"/>
                 <a:cs typeface="Montserrat" charset="0"/>
-              </a:rPr>
-              <a:t>　</a:t>
-            </a:r>
-            <a:endParaRPr lang="ja-JP" altLang="en-US" sz="2000" dirty="0">
-              <a:latin typeface="Century Gothic" panose="020B0502020202020204" pitchFamily="34" charset="0"/>
-              <a:ea typeface="Montserrat" charset="0"/>
-              <a:cs typeface="Montserrat" charset="0"/>
-            </a:endParaRPr>
-          </a:p>
-          <a:p>
-            <a:pPr indent="0">
-              <a:lnSpc>
-                <a:spcPct val="150000"/>
-              </a:lnSpc>
-              <a:buFont typeface="Wingdings" panose="05000000000000000000" charset="0"/>
-              <a:buNone/>
-            </a:pPr>
-            <a:r>
-              <a:rPr lang="ja-JP" altLang="en-US" sz="2000" dirty="0">
-                <a:latin typeface="Century Gothic" panose="020B0502020202020204" pitchFamily="34" charset="0"/>
-                <a:ea typeface="Montserrat" charset="0"/>
-                <a:cs typeface="Montserrat" charset="0"/>
-                <a:hlinkClick r:id="rId1" tooltip="" action="ppaction://hlinkfile"/>
+                <a:sym typeface="+mn-ea"/>
+                <a:hlinkClick r:id="rId1" action="ppaction://hlinkfile"/>
               </a:rPr>
               <a:t>https://webrtc.ecl.ntt.com/documents/javascript-sdk.html#%E6%A6%82%E8%A6%81</a:t>
             </a:r>
@@ -4787,43 +4737,6 @@
           </a:p>
         </p:txBody>
       </p:sp>
-      <p:cxnSp>
-        <p:nvCxnSpPr>
-          <p:cNvPr id="41" name="Straight Connector 13"/>
-          <p:cNvCxnSpPr/>
-          <p:nvPr/>
-        </p:nvCxnSpPr>
-        <p:spPr>
-          <a:xfrm>
-            <a:off x="879679" y="6158533"/>
-            <a:ext cx="4355261" cy="0"/>
-          </a:xfrm>
-          <a:prstGeom prst="line">
-            <a:avLst/>
-          </a:prstGeom>
-          <a:ln w="38100">
-            <a:solidFill>
-              <a:schemeClr val="tx1">
-                <a:alpha val="10000"/>
-              </a:schemeClr>
-            </a:solidFill>
-          </a:ln>
-        </p:spPr>
-        <p:style>
-          <a:lnRef idx="1">
-            <a:schemeClr val="accent1"/>
-          </a:lnRef>
-          <a:fillRef idx="0">
-            <a:schemeClr val="accent1"/>
-          </a:fillRef>
-          <a:effectRef idx="0">
-            <a:schemeClr val="accent1"/>
-          </a:effectRef>
-          <a:fontRef idx="minor">
-            <a:schemeClr val="tx1"/>
-          </a:fontRef>
-        </p:style>
-      </p:cxnSp>
       <p:sp>
         <p:nvSpPr>
           <p:cNvPr id="37" name="TextBox 9"/>
@@ -5268,43 +5181,6 @@
           </a:p>
         </p:txBody>
       </p:sp>
-      <p:cxnSp>
-        <p:nvCxnSpPr>
-          <p:cNvPr id="41" name="Straight Connector 13"/>
-          <p:cNvCxnSpPr/>
-          <p:nvPr/>
-        </p:nvCxnSpPr>
-        <p:spPr>
-          <a:xfrm>
-            <a:off x="879679" y="6158533"/>
-            <a:ext cx="4355261" cy="0"/>
-          </a:xfrm>
-          <a:prstGeom prst="line">
-            <a:avLst/>
-          </a:prstGeom>
-          <a:ln w="38100">
-            <a:solidFill>
-              <a:schemeClr val="tx1">
-                <a:alpha val="10000"/>
-              </a:schemeClr>
-            </a:solidFill>
-          </a:ln>
-        </p:spPr>
-        <p:style>
-          <a:lnRef idx="1">
-            <a:schemeClr val="accent1"/>
-          </a:lnRef>
-          <a:fillRef idx="0">
-            <a:schemeClr val="accent1"/>
-          </a:fillRef>
-          <a:effectRef idx="0">
-            <a:schemeClr val="accent1"/>
-          </a:effectRef>
-          <a:fontRef idx="minor">
-            <a:schemeClr val="tx1"/>
-          </a:fontRef>
-        </p:style>
-      </p:cxnSp>
       <p:sp>
         <p:nvSpPr>
           <p:cNvPr id="37" name="TextBox 9"/>
@@ -7706,43 +7582,6 @@
           </a:p>
         </p:txBody>
       </p:sp>
-      <p:cxnSp>
-        <p:nvCxnSpPr>
-          <p:cNvPr id="41" name="Straight Connector 13"/>
-          <p:cNvCxnSpPr/>
-          <p:nvPr/>
-        </p:nvCxnSpPr>
-        <p:spPr>
-          <a:xfrm>
-            <a:off x="879679" y="6158533"/>
-            <a:ext cx="4355261" cy="0"/>
-          </a:xfrm>
-          <a:prstGeom prst="line">
-            <a:avLst/>
-          </a:prstGeom>
-          <a:ln w="38100">
-            <a:solidFill>
-              <a:schemeClr val="tx1">
-                <a:alpha val="10000"/>
-              </a:schemeClr>
-            </a:solidFill>
-          </a:ln>
-        </p:spPr>
-        <p:style>
-          <a:lnRef idx="1">
-            <a:schemeClr val="accent1"/>
-          </a:lnRef>
-          <a:fillRef idx="0">
-            <a:schemeClr val="accent1"/>
-          </a:fillRef>
-          <a:effectRef idx="0">
-            <a:schemeClr val="accent1"/>
-          </a:effectRef>
-          <a:fontRef idx="minor">
-            <a:schemeClr val="tx1"/>
-          </a:fontRef>
-        </p:style>
-      </p:cxnSp>
     </p:spTree>
   </p:cSld>
   <p:clrMapOvr>
@@ -7974,43 +7813,6 @@
           </a:p>
         </p:txBody>
       </p:sp>
-      <p:cxnSp>
-        <p:nvCxnSpPr>
-          <p:cNvPr id="41" name="Straight Connector 13"/>
-          <p:cNvCxnSpPr/>
-          <p:nvPr/>
-        </p:nvCxnSpPr>
-        <p:spPr>
-          <a:xfrm>
-            <a:off x="879679" y="6158533"/>
-            <a:ext cx="4355261" cy="0"/>
-          </a:xfrm>
-          <a:prstGeom prst="line">
-            <a:avLst/>
-          </a:prstGeom>
-          <a:ln w="38100">
-            <a:solidFill>
-              <a:schemeClr val="tx1">
-                <a:alpha val="10000"/>
-              </a:schemeClr>
-            </a:solidFill>
-          </a:ln>
-        </p:spPr>
-        <p:style>
-          <a:lnRef idx="1">
-            <a:schemeClr val="accent1"/>
-          </a:lnRef>
-          <a:fillRef idx="0">
-            <a:schemeClr val="accent1"/>
-          </a:fillRef>
-          <a:effectRef idx="0">
-            <a:schemeClr val="accent1"/>
-          </a:effectRef>
-          <a:fontRef idx="minor">
-            <a:schemeClr val="tx1"/>
-          </a:fontRef>
-        </p:style>
-      </p:cxnSp>
       <p:sp>
         <p:nvSpPr>
           <p:cNvPr id="2" name="文本框 7"/>
@@ -8590,43 +8392,6 @@
           </a:p>
         </p:txBody>
       </p:sp>
-      <p:cxnSp>
-        <p:nvCxnSpPr>
-          <p:cNvPr id="41" name="Straight Connector 13"/>
-          <p:cNvCxnSpPr/>
-          <p:nvPr/>
-        </p:nvCxnSpPr>
-        <p:spPr>
-          <a:xfrm>
-            <a:off x="879679" y="6158533"/>
-            <a:ext cx="4355261" cy="0"/>
-          </a:xfrm>
-          <a:prstGeom prst="line">
-            <a:avLst/>
-          </a:prstGeom>
-          <a:ln w="38100">
-            <a:solidFill>
-              <a:schemeClr val="tx1">
-                <a:alpha val="10000"/>
-              </a:schemeClr>
-            </a:solidFill>
-          </a:ln>
-        </p:spPr>
-        <p:style>
-          <a:lnRef idx="1">
-            <a:schemeClr val="accent1"/>
-          </a:lnRef>
-          <a:fillRef idx="0">
-            <a:schemeClr val="accent1"/>
-          </a:fillRef>
-          <a:effectRef idx="0">
-            <a:schemeClr val="accent1"/>
-          </a:effectRef>
-          <a:fontRef idx="minor">
-            <a:schemeClr val="tx1"/>
-          </a:fontRef>
-        </p:style>
-      </p:cxnSp>
       <p:sp>
         <p:nvSpPr>
           <p:cNvPr id="2" name="文本框 7"/>
@@ -12487,43 +12252,6 @@
           </a:p>
         </p:txBody>
       </p:sp>
-      <p:cxnSp>
-        <p:nvCxnSpPr>
-          <p:cNvPr id="41" name="Straight Connector 13"/>
-          <p:cNvCxnSpPr/>
-          <p:nvPr/>
-        </p:nvCxnSpPr>
-        <p:spPr>
-          <a:xfrm>
-            <a:off x="879679" y="6158533"/>
-            <a:ext cx="4355261" cy="0"/>
-          </a:xfrm>
-          <a:prstGeom prst="line">
-            <a:avLst/>
-          </a:prstGeom>
-          <a:ln w="38100">
-            <a:solidFill>
-              <a:schemeClr val="tx1">
-                <a:alpha val="10000"/>
-              </a:schemeClr>
-            </a:solidFill>
-          </a:ln>
-        </p:spPr>
-        <p:style>
-          <a:lnRef idx="1">
-            <a:schemeClr val="accent1"/>
-          </a:lnRef>
-          <a:fillRef idx="0">
-            <a:schemeClr val="accent1"/>
-          </a:fillRef>
-          <a:effectRef idx="0">
-            <a:schemeClr val="accent1"/>
-          </a:effectRef>
-          <a:fontRef idx="minor">
-            <a:schemeClr val="tx1"/>
-          </a:fontRef>
-        </p:style>
-      </p:cxnSp>
       <p:sp>
         <p:nvSpPr>
           <p:cNvPr id="37" name="TextBox 9"/>
@@ -12810,43 +12538,6 @@
           </a:p>
         </p:txBody>
       </p:sp>
-      <p:cxnSp>
-        <p:nvCxnSpPr>
-          <p:cNvPr id="41" name="Straight Connector 13"/>
-          <p:cNvCxnSpPr/>
-          <p:nvPr/>
-        </p:nvCxnSpPr>
-        <p:spPr>
-          <a:xfrm>
-            <a:off x="879679" y="6158533"/>
-            <a:ext cx="4355261" cy="0"/>
-          </a:xfrm>
-          <a:prstGeom prst="line">
-            <a:avLst/>
-          </a:prstGeom>
-          <a:ln w="38100">
-            <a:solidFill>
-              <a:schemeClr val="tx1">
-                <a:alpha val="10000"/>
-              </a:schemeClr>
-            </a:solidFill>
-          </a:ln>
-        </p:spPr>
-        <p:style>
-          <a:lnRef idx="1">
-            <a:schemeClr val="accent1"/>
-          </a:lnRef>
-          <a:fillRef idx="0">
-            <a:schemeClr val="accent1"/>
-          </a:fillRef>
-          <a:effectRef idx="0">
-            <a:schemeClr val="accent1"/>
-          </a:effectRef>
-          <a:fontRef idx="minor">
-            <a:schemeClr val="tx1"/>
-          </a:fontRef>
-        </p:style>
-      </p:cxnSp>
       <p:sp>
         <p:nvSpPr>
           <p:cNvPr id="37" name="TextBox 9"/>

--- a/doc/勉強会_WebRTC_SkyWay.pptx
+++ b/doc/勉強会_WebRTC_SkyWay.pptx
@@ -1046,6 +1046,7 @@
   <p:clrMapOvr>
     <a:masterClrMapping/>
   </p:clrMapOvr>
+  <p:hf hdr="0" ftr="0" dt="0"/>
 </p:sldLayout>
 </file>
 
@@ -1213,6 +1214,7 @@
   <p:clrMapOvr>
     <a:masterClrMapping/>
   </p:clrMapOvr>
+  <p:hf hdr="0" ftr="0" dt="0"/>
 </p:sldLayout>
 </file>
 
@@ -1390,6 +1392,7 @@
   <p:clrMapOvr>
     <a:masterClrMapping/>
   </p:clrMapOvr>
+  <p:hf hdr="0" ftr="0" dt="0"/>
 </p:sldLayout>
 </file>
 
@@ -1557,6 +1560,7 @@
   <p:clrMapOvr>
     <a:masterClrMapping/>
   </p:clrMapOvr>
+  <p:hf hdr="0" ftr="0" dt="0"/>
 </p:sldLayout>
 </file>
 
@@ -1797,6 +1801,7 @@
   <p:clrMapOvr>
     <a:masterClrMapping/>
   </p:clrMapOvr>
+  <p:hf hdr="0" ftr="0" dt="0"/>
 </p:sldLayout>
 </file>
 
@@ -2030,6 +2035,7 @@
   <p:clrMapOvr>
     <a:masterClrMapping/>
   </p:clrMapOvr>
+  <p:hf hdr="0" ftr="0" dt="0"/>
 </p:sldLayout>
 </file>
 
@@ -2400,6 +2406,7 @@
   <p:clrMapOvr>
     <a:masterClrMapping/>
   </p:clrMapOvr>
+  <p:hf hdr="0" ftr="0" dt="0"/>
 </p:sldLayout>
 </file>
 
@@ -2511,6 +2518,7 @@
   <p:clrMapOvr>
     <a:masterClrMapping/>
   </p:clrMapOvr>
+  <p:hf hdr="0" ftr="0" dt="0"/>
 </p:sldLayout>
 </file>
 
@@ -2599,6 +2607,7 @@
   <p:clrMapOvr>
     <a:masterClrMapping/>
   </p:clrMapOvr>
+  <p:hf hdr="0" ftr="0" dt="0"/>
 </p:sldLayout>
 </file>
 
@@ -2874,6 +2883,7 @@
   <p:clrMapOvr>
     <a:masterClrMapping/>
   </p:clrMapOvr>
+  <p:hf hdr="0" ftr="0" dt="0"/>
 </p:sldLayout>
 </file>
 
@@ -3121,6 +3131,7 @@
   <p:clrMapOvr>
     <a:masterClrMapping/>
   </p:clrMapOvr>
+  <p:hf hdr="0" ftr="0" dt="0"/>
 </p:sldLayout>
 </file>
 
@@ -3378,6 +3389,7 @@
     <p:sldLayoutId id="2147483658" r:id="rId10"/>
     <p:sldLayoutId id="2147483659" r:id="rId11"/>
   </p:sldLayoutIdLst>
+  <p:hf hdr="0" ftr="0" dt="0"/>
   <p:txStyles>
     <p:titleStyle>
       <a:lvl1pPr algn="l" defTabSz="914400" rtl="0" eaLnBrk="1" latinLnBrk="0" hangingPunct="1">
@@ -3831,8 +3843,8 @@
         </p:nvSpPr>
         <p:spPr>
           <a:xfrm>
-            <a:off x="582930" y="2730500"/>
-            <a:ext cx="6224270" cy="1106805"/>
+            <a:off x="582930" y="1304290"/>
+            <a:ext cx="6224270" cy="1445260"/>
           </a:xfrm>
           <a:prstGeom prst="rect">
             <a:avLst/>
@@ -3862,7 +3874,7 @@
               <a:defRPr/>
             </a:pPr>
             <a:r>
-              <a:rPr kumimoji="0" lang="en-US" altLang="zh-CN" sz="6600" i="0" u="none" strike="noStrike" kern="1200" cap="none" spc="0" normalizeH="0" baseline="0" noProof="0" dirty="0">
+              <a:rPr kumimoji="0" lang="en-US" altLang="zh-CN" sz="4400" i="0" u="none" strike="noStrike" kern="1200" cap="none" spc="0" normalizeH="0" baseline="0" noProof="0" dirty="0">
                 <a:ln>
                   <a:noFill/>
                 </a:ln>
@@ -3872,13 +3884,46 @@
                 <a:effectLst/>
                 <a:uLnTx/>
                 <a:uFillTx/>
-                <a:latin typeface="Mistral" panose="03090702030407020403" charset="0"/>
+                <a:latin typeface="Bradley Hand ITC" panose="03070402050302030203" charset="0"/>
                 <a:ea typeface="Microsoft YaHei" panose="020B0503020204020204" pitchFamily="34" charset="-122"/>
-                <a:cs typeface="Mistral" panose="03090702030407020403" charset="0"/>
-              </a:rPr>
-              <a:t>WEBRTC </a:t>
-            </a:r>
-            <a:endParaRPr kumimoji="0" lang="ja-JP" altLang="zh-CN" sz="6600" i="0" u="none" strike="noStrike" kern="1200" cap="none" spc="0" normalizeH="0" baseline="0" noProof="0" dirty="0">
+                <a:cs typeface="Bradley Hand ITC" panose="03070402050302030203" charset="0"/>
+              </a:rPr>
+              <a:t>WebRTC</a:t>
+            </a:r>
+            <a:br>
+              <a:rPr kumimoji="0" lang="en-US" altLang="zh-CN" sz="4400" i="0" u="none" strike="noStrike" kern="1200" cap="none" spc="0" normalizeH="0" baseline="0" noProof="0" dirty="0">
+                <a:ln>
+                  <a:noFill/>
+                </a:ln>
+                <a:solidFill>
+                  <a:schemeClr val="bg1"/>
+                </a:solidFill>
+                <a:effectLst/>
+                <a:uLnTx/>
+                <a:uFillTx/>
+                <a:latin typeface="Bradley Hand ITC" panose="03070402050302030203" charset="0"/>
+                <a:ea typeface="Microsoft YaHei" panose="020B0503020204020204" pitchFamily="34" charset="-122"/>
+                <a:cs typeface="Bradley Hand ITC" panose="03070402050302030203" charset="0"/>
+              </a:rPr>
+            </a:br>
+            <a:r>
+              <a:rPr kumimoji="0" lang="en-US" altLang="zh-CN" sz="4400" i="0" u="none" strike="noStrike" kern="1200" cap="none" spc="0" normalizeH="0" baseline="0" noProof="0" dirty="0">
+                <a:ln>
+                  <a:noFill/>
+                </a:ln>
+                <a:solidFill>
+                  <a:schemeClr val="bg1"/>
+                </a:solidFill>
+                <a:effectLst/>
+                <a:uLnTx/>
+                <a:uFillTx/>
+                <a:latin typeface="Bradley Hand ITC" panose="03070402050302030203" charset="0"/>
+                <a:ea typeface="Microsoft YaHei" panose="020B0503020204020204" pitchFamily="34" charset="-122"/>
+                <a:cs typeface="Bradley Hand ITC" panose="03070402050302030203" charset="0"/>
+              </a:rPr>
+              <a:t>Skyway javascript</a:t>
+            </a:r>
+            <a:endParaRPr kumimoji="0" lang="ja-JP" altLang="zh-CN" sz="4400" i="0" u="none" strike="noStrike" kern="1200" cap="none" spc="0" normalizeH="0" baseline="0" noProof="0" dirty="0">
               <a:ln>
                 <a:noFill/>
               </a:ln>
@@ -4008,9 +4053,9 @@
                 <a:solidFill>
                   <a:schemeClr val="bg1"/>
                 </a:solidFill>
-                <a:latin typeface="Brush Script MT" panose="03060802040406070304" charset="0"/>
+                <a:latin typeface="Bradley Hand ITC" panose="03070402050302030203" charset="0"/>
                 <a:ea typeface="Microsoft YaHei" panose="020B0503020204020204" pitchFamily="34" charset="-122"/>
-                <a:cs typeface="Brush Script MT" panose="03060802040406070304" charset="0"/>
+                <a:cs typeface="Bradley Hand ITC" panose="03070402050302030203" charset="0"/>
                 <a:sym typeface="+mn-ea"/>
               </a:rPr>
               <a:t>記者: </a:t>
@@ -4020,9 +4065,9 @@
                 <a:solidFill>
                   <a:schemeClr val="bg1"/>
                 </a:solidFill>
-                <a:latin typeface="Brush Script MT" panose="03060802040406070304" charset="0"/>
+                <a:latin typeface="Bradley Hand ITC" panose="03070402050302030203" charset="0"/>
                 <a:ea typeface="Microsoft YaHei" panose="020B0503020204020204" pitchFamily="34" charset="-122"/>
-                <a:cs typeface="Brush Script MT" panose="03060802040406070304" charset="0"/>
+                <a:cs typeface="Bradley Hand ITC" panose="03070402050302030203" charset="0"/>
                 <a:sym typeface="+mn-ea"/>
               </a:rPr>
               <a:t>ニンニンユ</a:t>
@@ -4032,9 +4077,9 @@
                 <a:solidFill>
                   <a:schemeClr val="bg1"/>
                 </a:solidFill>
-                <a:latin typeface="Brush Script MT" panose="03060802040406070304" charset="0"/>
+                <a:latin typeface="Bradley Hand ITC" panose="03070402050302030203" charset="0"/>
                 <a:ea typeface="Microsoft YaHei" panose="020B0503020204020204" pitchFamily="34" charset="-122"/>
-                <a:cs typeface="Brush Script MT" panose="03060802040406070304" charset="0"/>
+                <a:cs typeface="Bradley Hand ITC" panose="03070402050302030203" charset="0"/>
                 <a:sym typeface="+mn-ea"/>
               </a:rPr>
             </a:br>
@@ -4043,9 +4088,9 @@
                 <a:solidFill>
                   <a:schemeClr val="bg1"/>
                 </a:solidFill>
-                <a:latin typeface="Brush Script MT" panose="03060802040406070304" charset="0"/>
+                <a:latin typeface="Bradley Hand ITC" panose="03070402050302030203" charset="0"/>
                 <a:ea typeface="Microsoft YaHei" panose="020B0503020204020204" pitchFamily="34" charset="-122"/>
-                <a:cs typeface="Brush Script MT" panose="03060802040406070304" charset="0"/>
+                <a:cs typeface="Bradley Hand ITC" panose="03070402050302030203" charset="0"/>
                 <a:sym typeface="+mn-ea"/>
               </a:rPr>
               <a:t>日付</a:t>
@@ -4055,9 +4100,9 @@
                 <a:solidFill>
                   <a:schemeClr val="bg1"/>
                 </a:solidFill>
-                <a:latin typeface="Brush Script MT" panose="03060802040406070304" charset="0"/>
+                <a:latin typeface="Bradley Hand ITC" panose="03070402050302030203" charset="0"/>
                 <a:ea typeface="Microsoft YaHei" panose="020B0503020204020204" pitchFamily="34" charset="-122"/>
-                <a:cs typeface="Brush Script MT" panose="03060802040406070304" charset="0"/>
+                <a:cs typeface="Bradley Hand ITC" panose="03070402050302030203" charset="0"/>
                 <a:sym typeface="+mn-ea"/>
               </a:rPr>
               <a:t>: 2022</a:t>
@@ -4067,9 +4112,9 @@
                 <a:solidFill>
                   <a:schemeClr val="bg1"/>
                 </a:solidFill>
-                <a:latin typeface="Brush Script MT" panose="03060802040406070304" charset="0"/>
+                <a:latin typeface="Bradley Hand ITC" panose="03070402050302030203" charset="0"/>
                 <a:ea typeface="Microsoft YaHei" panose="020B0503020204020204" pitchFamily="34" charset="-122"/>
-                <a:cs typeface="Brush Script MT" panose="03060802040406070304" charset="0"/>
+                <a:cs typeface="Bradley Hand ITC" panose="03070402050302030203" charset="0"/>
                 <a:sym typeface="+mn-ea"/>
               </a:rPr>
               <a:t>年</a:t>
@@ -4079,9 +4124,9 @@
                 <a:solidFill>
                   <a:schemeClr val="bg1"/>
                 </a:solidFill>
-                <a:latin typeface="Brush Script MT" panose="03060802040406070304" charset="0"/>
+                <a:latin typeface="Bradley Hand ITC" panose="03070402050302030203" charset="0"/>
                 <a:ea typeface="Microsoft YaHei" panose="020B0503020204020204" pitchFamily="34" charset="-122"/>
-                <a:cs typeface="Brush Script MT" panose="03060802040406070304" charset="0"/>
+                <a:cs typeface="Bradley Hand ITC" panose="03070402050302030203" charset="0"/>
                 <a:sym typeface="+mn-ea"/>
               </a:rPr>
               <a:t>01</a:t>
@@ -4091,9 +4136,9 @@
                 <a:solidFill>
                   <a:schemeClr val="bg1"/>
                 </a:solidFill>
-                <a:latin typeface="Brush Script MT" panose="03060802040406070304" charset="0"/>
+                <a:latin typeface="Bradley Hand ITC" panose="03070402050302030203" charset="0"/>
                 <a:ea typeface="Microsoft YaHei" panose="020B0503020204020204" pitchFamily="34" charset="-122"/>
-                <a:cs typeface="Brush Script MT" panose="03060802040406070304" charset="0"/>
+                <a:cs typeface="Bradley Hand ITC" panose="03070402050302030203" charset="0"/>
                 <a:sym typeface="+mn-ea"/>
               </a:rPr>
               <a:t>月</a:t>
@@ -4103,9 +4148,9 @@
                 <a:solidFill>
                   <a:schemeClr val="bg1"/>
                 </a:solidFill>
-                <a:latin typeface="Brush Script MT" panose="03060802040406070304" charset="0"/>
+                <a:latin typeface="Bradley Hand ITC" panose="03070402050302030203" charset="0"/>
                 <a:ea typeface="Microsoft YaHei" panose="020B0503020204020204" pitchFamily="34" charset="-122"/>
-                <a:cs typeface="Brush Script MT" panose="03060802040406070304" charset="0"/>
+                <a:cs typeface="Bradley Hand ITC" panose="03070402050302030203" charset="0"/>
                 <a:sym typeface="+mn-ea"/>
               </a:rPr>
               <a:t>17</a:t>
@@ -4115,9 +4160,9 @@
                 <a:solidFill>
                   <a:schemeClr val="bg1"/>
                 </a:solidFill>
-                <a:latin typeface="Brush Script MT" panose="03060802040406070304" charset="0"/>
+                <a:latin typeface="Bradley Hand ITC" panose="03070402050302030203" charset="0"/>
                 <a:ea typeface="Microsoft YaHei" panose="020B0503020204020204" pitchFamily="34" charset="-122"/>
-                <a:cs typeface="Brush Script MT" panose="03060802040406070304" charset="0"/>
+                <a:cs typeface="Bradley Hand ITC" panose="03070402050302030203" charset="0"/>
                 <a:sym typeface="+mn-ea"/>
               </a:rPr>
               <a:t>日</a:t>
@@ -4127,9 +4172,9 @@
                 <a:solidFill>
                   <a:schemeClr val="bg1"/>
                 </a:solidFill>
-                <a:latin typeface="Brush Script MT" panose="03060802040406070304" charset="0"/>
+                <a:latin typeface="Bradley Hand ITC" panose="03070402050302030203" charset="0"/>
                 <a:ea typeface="Microsoft YaHei" panose="020B0503020204020204" pitchFamily="34" charset="-122"/>
-                <a:cs typeface="Brush Script MT" panose="03060802040406070304" charset="0"/>
+                <a:cs typeface="Bradley Hand ITC" panose="03070402050302030203" charset="0"/>
                 <a:sym typeface="+mn-ea"/>
               </a:rPr>
               <a:t>(</a:t>
@@ -4139,9 +4184,9 @@
                 <a:solidFill>
                   <a:schemeClr val="bg1"/>
                 </a:solidFill>
-                <a:latin typeface="Brush Script MT" panose="03060802040406070304" charset="0"/>
+                <a:latin typeface="Bradley Hand ITC" panose="03070402050302030203" charset="0"/>
                 <a:ea typeface="Microsoft YaHei" panose="020B0503020204020204" pitchFamily="34" charset="-122"/>
-                <a:cs typeface="Brush Script MT" panose="03060802040406070304" charset="0"/>
+                <a:cs typeface="Bradley Hand ITC" panose="03070402050302030203" charset="0"/>
                 <a:sym typeface="+mn-ea"/>
               </a:rPr>
               <a:t>月</a:t>
@@ -4151,9 +4196,9 @@
                 <a:solidFill>
                   <a:schemeClr val="bg1"/>
                 </a:solidFill>
-                <a:latin typeface="Brush Script MT" panose="03060802040406070304" charset="0"/>
+                <a:latin typeface="Bradley Hand ITC" panose="03070402050302030203" charset="0"/>
                 <a:ea typeface="Microsoft YaHei" panose="020B0503020204020204" pitchFamily="34" charset="-122"/>
-                <a:cs typeface="Brush Script MT" panose="03060802040406070304" charset="0"/>
+                <a:cs typeface="Bradley Hand ITC" panose="03070402050302030203" charset="0"/>
                 <a:sym typeface="+mn-ea"/>
               </a:rPr>
               <a:t>)</a:t>
@@ -4162,9 +4207,9 @@
               <a:solidFill>
                 <a:schemeClr val="bg1"/>
               </a:solidFill>
-              <a:latin typeface="Brush Script MT" panose="03060802040406070304" charset="0"/>
+              <a:latin typeface="Bradley Hand ITC" panose="03070402050302030203" charset="0"/>
               <a:ea typeface="Microsoft YaHei" panose="020B0503020204020204" pitchFamily="34" charset="-122"/>
-              <a:cs typeface="Brush Script MT" panose="03060802040406070304" charset="0"/>
+              <a:cs typeface="Bradley Hand ITC" panose="03070402050302030203" charset="0"/>
               <a:sym typeface="+mn-ea"/>
             </a:endParaRPr>
           </a:p>
@@ -4205,6 +4250,27 @@
           </a:fontRef>
         </p:style>
       </p:cxnSp>
+      <p:sp>
+        <p:nvSpPr>
+          <p:cNvPr id="4" name="Slide Number Placeholder 3"/>
+          <p:cNvSpPr>
+            <a:spLocks noGrp="1"/>
+          </p:cNvSpPr>
+          <p:nvPr>
+            <p:ph type="sldNum" sz="quarter" idx="12"/>
+          </p:nvPr>
+        </p:nvSpPr>
+        <p:spPr/>
+        <p:txBody>
+          <a:bodyPr/>
+          <a:p>
+            <a:fld id="{3E644C97-CFD8-4B1A-9809-75060EC224F7}" type="slidenum">
+              <a:rPr lang="zh-CN" altLang="en-US" smtClean="0"/>
+            </a:fld>
+            <a:endParaRPr lang="zh-CN" altLang="en-US"/>
+          </a:p>
+        </p:txBody>
+      </p:sp>
     </p:spTree>
   </p:cSld>
   <p:clrMapOvr>
@@ -4286,13 +4352,13 @@
               <a:lumMod val="75000"/>
             </a:schemeClr>
           </a:solidFill>
-          <a:ln w="28575">
+          <a:ln w="12700" cmpd="sng">
             <a:solidFill>
-              <a:schemeClr val="tx1">
-                <a:lumMod val="85000"/>
-                <a:lumOff val="15000"/>
+              <a:schemeClr val="accent1">
+                <a:shade val="50000"/>
               </a:schemeClr>
             </a:solidFill>
+            <a:prstDash val="solid"/>
           </a:ln>
         </p:spPr>
         <p:style>
@@ -4321,6 +4387,43 @@
           </a:p>
         </p:txBody>
       </p:sp>
+      <p:cxnSp>
+        <p:nvCxnSpPr>
+          <p:cNvPr id="41" name="Straight Connector 13"/>
+          <p:cNvCxnSpPr/>
+          <p:nvPr/>
+        </p:nvCxnSpPr>
+        <p:spPr>
+          <a:xfrm>
+            <a:off x="879679" y="6158533"/>
+            <a:ext cx="4355261" cy="0"/>
+          </a:xfrm>
+          <a:prstGeom prst="line">
+            <a:avLst/>
+          </a:prstGeom>
+          <a:ln w="38100">
+            <a:solidFill>
+              <a:schemeClr val="tx1">
+                <a:alpha val="10000"/>
+              </a:schemeClr>
+            </a:solidFill>
+          </a:ln>
+        </p:spPr>
+        <p:style>
+          <a:lnRef idx="1">
+            <a:schemeClr val="accent1"/>
+          </a:lnRef>
+          <a:fillRef idx="0">
+            <a:schemeClr val="accent1"/>
+          </a:fillRef>
+          <a:effectRef idx="0">
+            <a:schemeClr val="accent1"/>
+          </a:effectRef>
+          <a:fontRef idx="minor">
+            <a:schemeClr val="tx1"/>
+          </a:fontRef>
+        </p:style>
+      </p:cxnSp>
       <p:sp>
         <p:nvSpPr>
           <p:cNvPr id="37" name="TextBox 9"/>
@@ -4329,8 +4432,8 @@
         </p:nvSpPr>
         <p:spPr>
           <a:xfrm>
-            <a:off x="629920" y="1159510"/>
-            <a:ext cx="10836910" cy="5169535"/>
+            <a:off x="629920" y="1169670"/>
+            <a:ext cx="10836910" cy="4707890"/>
           </a:xfrm>
           <a:prstGeom prst="rect">
             <a:avLst/>
@@ -4524,46 +4627,14 @@
             </a:endParaRPr>
           </a:p>
           <a:p>
-            <a:pPr indent="0">
+            <a:pPr marL="342900" indent="-342900">
               <a:lnSpc>
                 <a:spcPct val="150000"/>
               </a:lnSpc>
               <a:buFont typeface="Wingdings" panose="05000000000000000000" charset="0"/>
-              <a:buNone/>
+              <a:buChar char="§"/>
             </a:pPr>
-            <a:r>
-              <a:rPr lang="ja-JP" altLang="en-US" sz="2000" dirty="0">
-                <a:latin typeface="Century Gothic" panose="020B0502020202020204" pitchFamily="34" charset="0"/>
-                <a:ea typeface="Montserrat" charset="0"/>
-                <a:cs typeface="Montserrat" charset="0"/>
-              </a:rPr>
-              <a:t>　</a:t>
-            </a:r>
-            <a:endParaRPr lang="ja-JP" altLang="en-US" sz="2000" dirty="0">
-              <a:latin typeface="Century Gothic" panose="020B0502020202020204" pitchFamily="34" charset="0"/>
-              <a:ea typeface="Montserrat" charset="0"/>
-              <a:cs typeface="Montserrat" charset="0"/>
-            </a:endParaRPr>
-          </a:p>
-          <a:p>
-            <a:pPr indent="0">
-              <a:lnSpc>
-                <a:spcPct val="150000"/>
-              </a:lnSpc>
-              <a:buFont typeface="Wingdings" panose="05000000000000000000" charset="0"/>
-              <a:buNone/>
-            </a:pPr>
-            <a:r>
-              <a:rPr lang="ja-JP" altLang="en-US" sz="2000" dirty="0">
-                <a:latin typeface="Century Gothic" panose="020B0502020202020204" pitchFamily="34" charset="0"/>
-                <a:ea typeface="Montserrat" charset="0"/>
-                <a:cs typeface="Montserrat" charset="0"/>
-                <a:sym typeface="+mn-ea"/>
-                <a:hlinkClick r:id="rId1" action="ppaction://hlinkfile"/>
-              </a:rPr>
-              <a:t>https://webrtc.ecl.ntt.com/documents/javascript-sdk.html#%E6%A6%82%E8%A6%81</a:t>
-            </a:r>
-            <a:endParaRPr lang="ja-JP" altLang="en-US" sz="2000" dirty="0">
+            <a:endParaRPr lang="en-US" altLang="ja-JP" sz="2000" dirty="0">
               <a:latin typeface="Century Gothic" panose="020B0502020202020204" pitchFamily="34" charset="0"/>
               <a:ea typeface="Montserrat" charset="0"/>
               <a:cs typeface="Montserrat" charset="0"/>
@@ -4582,7 +4653,7 @@
           </p:nvPr>
         </p:nvPicPr>
         <p:blipFill>
-          <a:blip r:embed="rId2"/>
+          <a:blip r:embed="rId1"/>
           <a:stretch>
             <a:fillRect/>
           </a:stretch>
@@ -4606,7 +4677,7 @@
           <p:nvPr/>
         </p:nvPicPr>
         <p:blipFill>
-          <a:blip r:embed="rId3"/>
+          <a:blip r:embed="rId2"/>
           <a:stretch>
             <a:fillRect/>
           </a:stretch>
@@ -4621,6 +4692,27 @@
           </a:prstGeom>
         </p:spPr>
       </p:pic>
+      <p:sp>
+        <p:nvSpPr>
+          <p:cNvPr id="5" name="Slide Number Placeholder 4"/>
+          <p:cNvSpPr>
+            <a:spLocks noGrp="1"/>
+          </p:cNvSpPr>
+          <p:nvPr>
+            <p:ph type="sldNum" sz="quarter" idx="12"/>
+          </p:nvPr>
+        </p:nvSpPr>
+        <p:spPr/>
+        <p:txBody>
+          <a:bodyPr/>
+          <a:p>
+            <a:fld id="{3E644C97-CFD8-4B1A-9809-75060EC224F7}" type="slidenum">
+              <a:rPr lang="zh-CN" altLang="en-US" smtClean="0"/>
+            </a:fld>
+            <a:endParaRPr lang="zh-CN" altLang="en-US"/>
+          </a:p>
+        </p:txBody>
+      </p:sp>
     </p:spTree>
   </p:cSld>
   <p:clrMapOvr>
@@ -4702,13 +4794,13 @@
               <a:lumMod val="75000"/>
             </a:schemeClr>
           </a:solidFill>
-          <a:ln w="28575">
+          <a:ln w="12700" cmpd="sng">
             <a:solidFill>
-              <a:schemeClr val="tx1">
-                <a:lumMod val="85000"/>
-                <a:lumOff val="15000"/>
+              <a:schemeClr val="accent1">
+                <a:shade val="50000"/>
               </a:schemeClr>
             </a:solidFill>
+            <a:prstDash val="solid"/>
           </a:ln>
         </p:spPr>
         <p:style>
@@ -4737,6 +4829,43 @@
           </a:p>
         </p:txBody>
       </p:sp>
+      <p:cxnSp>
+        <p:nvCxnSpPr>
+          <p:cNvPr id="41" name="Straight Connector 13"/>
+          <p:cNvCxnSpPr/>
+          <p:nvPr/>
+        </p:nvCxnSpPr>
+        <p:spPr>
+          <a:xfrm>
+            <a:off x="879679" y="6158533"/>
+            <a:ext cx="4355261" cy="0"/>
+          </a:xfrm>
+          <a:prstGeom prst="line">
+            <a:avLst/>
+          </a:prstGeom>
+          <a:ln w="38100">
+            <a:solidFill>
+              <a:schemeClr val="tx1">
+                <a:alpha val="10000"/>
+              </a:schemeClr>
+            </a:solidFill>
+          </a:ln>
+        </p:spPr>
+        <p:style>
+          <a:lnRef idx="1">
+            <a:schemeClr val="accent1"/>
+          </a:lnRef>
+          <a:fillRef idx="0">
+            <a:schemeClr val="accent1"/>
+          </a:fillRef>
+          <a:effectRef idx="0">
+            <a:schemeClr val="accent1"/>
+          </a:effectRef>
+          <a:fontRef idx="minor">
+            <a:schemeClr val="tx1"/>
+          </a:fontRef>
+        </p:style>
+      </p:cxnSp>
       <p:sp>
         <p:nvSpPr>
           <p:cNvPr id="37" name="TextBox 9"/>
@@ -4920,13 +5049,13 @@
               <a:lumMod val="75000"/>
             </a:schemeClr>
           </a:solidFill>
-          <a:ln w="28575">
+          <a:ln w="12700" cmpd="sng">
             <a:solidFill>
-              <a:schemeClr val="tx1">
-                <a:lumMod val="85000"/>
-                <a:lumOff val="15000"/>
+              <a:schemeClr val="accent1">
+                <a:shade val="50000"/>
               </a:schemeClr>
             </a:solidFill>
+            <a:prstDash val="solid"/>
           </a:ln>
         </p:spPr>
         <p:style>
@@ -5062,6 +5191,27 @@
               <a:ea typeface="Montserrat" charset="0"/>
               <a:cs typeface="Montserrat" charset="0"/>
             </a:endParaRPr>
+          </a:p>
+        </p:txBody>
+      </p:sp>
+      <p:sp>
+        <p:nvSpPr>
+          <p:cNvPr id="3" name="Slide Number Placeholder 2"/>
+          <p:cNvSpPr>
+            <a:spLocks noGrp="1"/>
+          </p:cNvSpPr>
+          <p:nvPr>
+            <p:ph type="sldNum" sz="quarter" idx="12"/>
+          </p:nvPr>
+        </p:nvSpPr>
+        <p:spPr/>
+        <p:txBody>
+          <a:bodyPr/>
+          <a:p>
+            <a:fld id="{3E644C97-CFD8-4B1A-9809-75060EC224F7}" type="slidenum">
+              <a:rPr lang="zh-CN" altLang="en-US" smtClean="0"/>
+            </a:fld>
+            <a:endParaRPr lang="zh-CN" altLang="en-US"/>
           </a:p>
         </p:txBody>
       </p:sp>
@@ -5135,7 +5285,7 @@
         </p:nvSpPr>
         <p:spPr>
           <a:xfrm>
-            <a:off x="289435" y="545339"/>
+            <a:off x="289435" y="555499"/>
             <a:ext cx="340519" cy="260145"/>
           </a:xfrm>
           <a:prstGeom prst="rect">
@@ -5146,13 +5296,13 @@
               <a:lumMod val="75000"/>
             </a:schemeClr>
           </a:solidFill>
-          <a:ln w="28575">
+          <a:ln w="12700" cmpd="sng">
             <a:solidFill>
-              <a:schemeClr val="tx1">
-                <a:lumMod val="85000"/>
-                <a:lumOff val="15000"/>
+              <a:schemeClr val="accent1">
+                <a:shade val="50000"/>
               </a:schemeClr>
             </a:solidFill>
+            <a:prstDash val="solid"/>
           </a:ln>
         </p:spPr>
         <p:style>
@@ -5181,6 +5331,43 @@
           </a:p>
         </p:txBody>
       </p:sp>
+      <p:cxnSp>
+        <p:nvCxnSpPr>
+          <p:cNvPr id="41" name="Straight Connector 13"/>
+          <p:cNvCxnSpPr/>
+          <p:nvPr/>
+        </p:nvCxnSpPr>
+        <p:spPr>
+          <a:xfrm>
+            <a:off x="879679" y="6158533"/>
+            <a:ext cx="4355261" cy="0"/>
+          </a:xfrm>
+          <a:prstGeom prst="line">
+            <a:avLst/>
+          </a:prstGeom>
+          <a:ln w="38100">
+            <a:solidFill>
+              <a:schemeClr val="tx1">
+                <a:alpha val="10000"/>
+              </a:schemeClr>
+            </a:solidFill>
+          </a:ln>
+        </p:spPr>
+        <p:style>
+          <a:lnRef idx="1">
+            <a:schemeClr val="accent1"/>
+          </a:lnRef>
+          <a:fillRef idx="0">
+            <a:schemeClr val="accent1"/>
+          </a:fillRef>
+          <a:effectRef idx="0">
+            <a:schemeClr val="accent1"/>
+          </a:effectRef>
+          <a:fontRef idx="minor">
+            <a:schemeClr val="tx1"/>
+          </a:fontRef>
+        </p:style>
+      </p:cxnSp>
       <p:sp>
         <p:nvSpPr>
           <p:cNvPr id="37" name="TextBox 9"/>
@@ -5338,7 +5525,7 @@
         </p:nvSpPr>
         <p:spPr>
           <a:xfrm>
-            <a:off x="284355" y="3070099"/>
+            <a:off x="284355" y="3080259"/>
             <a:ext cx="340519" cy="260145"/>
           </a:xfrm>
           <a:prstGeom prst="rect">
@@ -5349,13 +5536,13 @@
               <a:lumMod val="75000"/>
             </a:schemeClr>
           </a:solidFill>
-          <a:ln w="28575">
+          <a:ln w="12700" cmpd="sng">
             <a:solidFill>
-              <a:schemeClr val="tx1">
-                <a:lumMod val="85000"/>
-                <a:lumOff val="15000"/>
+              <a:schemeClr val="accent1">
+                <a:shade val="50000"/>
               </a:schemeClr>
             </a:solidFill>
+            <a:prstDash val="solid"/>
           </a:ln>
         </p:spPr>
         <p:style>
@@ -5507,6 +5694,27 @@
               <a:ea typeface="Montserrat" charset="0"/>
               <a:cs typeface="Montserrat" charset="0"/>
             </a:endParaRPr>
+          </a:p>
+        </p:txBody>
+      </p:sp>
+      <p:sp>
+        <p:nvSpPr>
+          <p:cNvPr id="6" name="Slide Number Placeholder 5"/>
+          <p:cNvSpPr>
+            <a:spLocks noGrp="1"/>
+          </p:cNvSpPr>
+          <p:nvPr>
+            <p:ph type="sldNum" sz="quarter" idx="12"/>
+          </p:nvPr>
+        </p:nvSpPr>
+        <p:spPr/>
+        <p:txBody>
+          <a:bodyPr/>
+          <a:p>
+            <a:fld id="{3E644C97-CFD8-4B1A-9809-75060EC224F7}" type="slidenum">
+              <a:rPr lang="zh-CN" altLang="en-US" smtClean="0"/>
+            </a:fld>
+            <a:endParaRPr lang="zh-CN" altLang="en-US"/>
           </a:p>
         </p:txBody>
       </p:sp>
@@ -5688,7 +5896,7 @@
         </p:nvSpPr>
         <p:spPr>
           <a:xfrm>
-            <a:off x="582930" y="2719705"/>
+            <a:off x="582930" y="1864360"/>
             <a:ext cx="5878830" cy="1322070"/>
           </a:xfrm>
           <a:prstGeom prst="rect">
@@ -5842,7 +6050,7 @@
         </p:nvSpPr>
         <p:spPr>
           <a:xfrm>
-            <a:off x="582930" y="4269740"/>
+            <a:off x="582930" y="4290060"/>
             <a:ext cx="2684780" cy="737235"/>
           </a:xfrm>
           <a:prstGeom prst="rect">
@@ -5865,9 +6073,9 @@
                 <a:solidFill>
                   <a:schemeClr val="bg1"/>
                 </a:solidFill>
-                <a:latin typeface="Brush Script MT" panose="03060802040406070304" charset="0"/>
+                <a:latin typeface="Bradley Hand ITC" panose="03070402050302030203" charset="0"/>
                 <a:ea typeface="Microsoft YaHei" panose="020B0503020204020204" pitchFamily="34" charset="-122"/>
-                <a:cs typeface="Brush Script MT" panose="03060802040406070304" charset="0"/>
+                <a:cs typeface="Bradley Hand ITC" panose="03070402050302030203" charset="0"/>
                 <a:sym typeface="+mn-ea"/>
               </a:rPr>
               <a:t>記者: </a:t>
@@ -5877,9 +6085,9 @@
                 <a:solidFill>
                   <a:schemeClr val="bg1"/>
                 </a:solidFill>
-                <a:latin typeface="Brush Script MT" panose="03060802040406070304" charset="0"/>
+                <a:latin typeface="Bradley Hand ITC" panose="03070402050302030203" charset="0"/>
                 <a:ea typeface="Microsoft YaHei" panose="020B0503020204020204" pitchFamily="34" charset="-122"/>
-                <a:cs typeface="Brush Script MT" panose="03060802040406070304" charset="0"/>
+                <a:cs typeface="Bradley Hand ITC" panose="03070402050302030203" charset="0"/>
                 <a:sym typeface="+mn-ea"/>
               </a:rPr>
               <a:t>ニンニンユ</a:t>
@@ -5889,9 +6097,9 @@
                 <a:solidFill>
                   <a:schemeClr val="bg1"/>
                 </a:solidFill>
-                <a:latin typeface="Brush Script MT" panose="03060802040406070304" charset="0"/>
+                <a:latin typeface="Bradley Hand ITC" panose="03070402050302030203" charset="0"/>
                 <a:ea typeface="Microsoft YaHei" panose="020B0503020204020204" pitchFamily="34" charset="-122"/>
-                <a:cs typeface="Brush Script MT" panose="03060802040406070304" charset="0"/>
+                <a:cs typeface="Bradley Hand ITC" panose="03070402050302030203" charset="0"/>
                 <a:sym typeface="+mn-ea"/>
               </a:rPr>
             </a:br>
@@ -5900,9 +6108,9 @@
                 <a:solidFill>
                   <a:schemeClr val="bg1"/>
                 </a:solidFill>
-                <a:latin typeface="Brush Script MT" panose="03060802040406070304" charset="0"/>
+                <a:latin typeface="Bradley Hand ITC" panose="03070402050302030203" charset="0"/>
                 <a:ea typeface="Microsoft YaHei" panose="020B0503020204020204" pitchFamily="34" charset="-122"/>
-                <a:cs typeface="Brush Script MT" panose="03060802040406070304" charset="0"/>
+                <a:cs typeface="Bradley Hand ITC" panose="03070402050302030203" charset="0"/>
                 <a:sym typeface="+mn-ea"/>
               </a:rPr>
               <a:t>日付</a:t>
@@ -5912,9 +6120,9 @@
                 <a:solidFill>
                   <a:schemeClr val="bg1"/>
                 </a:solidFill>
-                <a:latin typeface="Brush Script MT" panose="03060802040406070304" charset="0"/>
+                <a:latin typeface="Bradley Hand ITC" panose="03070402050302030203" charset="0"/>
                 <a:ea typeface="Microsoft YaHei" panose="020B0503020204020204" pitchFamily="34" charset="-122"/>
-                <a:cs typeface="Brush Script MT" panose="03060802040406070304" charset="0"/>
+                <a:cs typeface="Bradley Hand ITC" panose="03070402050302030203" charset="0"/>
                 <a:sym typeface="+mn-ea"/>
               </a:rPr>
               <a:t>: 2022</a:t>
@@ -5924,9 +6132,9 @@
                 <a:solidFill>
                   <a:schemeClr val="bg1"/>
                 </a:solidFill>
-                <a:latin typeface="Brush Script MT" panose="03060802040406070304" charset="0"/>
+                <a:latin typeface="Bradley Hand ITC" panose="03070402050302030203" charset="0"/>
                 <a:ea typeface="Microsoft YaHei" panose="020B0503020204020204" pitchFamily="34" charset="-122"/>
-                <a:cs typeface="Brush Script MT" panose="03060802040406070304" charset="0"/>
+                <a:cs typeface="Bradley Hand ITC" panose="03070402050302030203" charset="0"/>
                 <a:sym typeface="+mn-ea"/>
               </a:rPr>
               <a:t>年</a:t>
@@ -5936,9 +6144,9 @@
                 <a:solidFill>
                   <a:schemeClr val="bg1"/>
                 </a:solidFill>
-                <a:latin typeface="Brush Script MT" panose="03060802040406070304" charset="0"/>
+                <a:latin typeface="Bradley Hand ITC" panose="03070402050302030203" charset="0"/>
                 <a:ea typeface="Microsoft YaHei" panose="020B0503020204020204" pitchFamily="34" charset="-122"/>
-                <a:cs typeface="Brush Script MT" panose="03060802040406070304" charset="0"/>
+                <a:cs typeface="Bradley Hand ITC" panose="03070402050302030203" charset="0"/>
                 <a:sym typeface="+mn-ea"/>
               </a:rPr>
               <a:t>01</a:t>
@@ -5948,9 +6156,9 @@
                 <a:solidFill>
                   <a:schemeClr val="bg1"/>
                 </a:solidFill>
-                <a:latin typeface="Brush Script MT" panose="03060802040406070304" charset="0"/>
+                <a:latin typeface="Bradley Hand ITC" panose="03070402050302030203" charset="0"/>
                 <a:ea typeface="Microsoft YaHei" panose="020B0503020204020204" pitchFamily="34" charset="-122"/>
-                <a:cs typeface="Brush Script MT" panose="03060802040406070304" charset="0"/>
+                <a:cs typeface="Bradley Hand ITC" panose="03070402050302030203" charset="0"/>
                 <a:sym typeface="+mn-ea"/>
               </a:rPr>
               <a:t>月</a:t>
@@ -5960,9 +6168,9 @@
                 <a:solidFill>
                   <a:schemeClr val="bg1"/>
                 </a:solidFill>
-                <a:latin typeface="Brush Script MT" panose="03060802040406070304" charset="0"/>
+                <a:latin typeface="Bradley Hand ITC" panose="03070402050302030203" charset="0"/>
                 <a:ea typeface="Microsoft YaHei" panose="020B0503020204020204" pitchFamily="34" charset="-122"/>
-                <a:cs typeface="Brush Script MT" panose="03060802040406070304" charset="0"/>
+                <a:cs typeface="Bradley Hand ITC" panose="03070402050302030203" charset="0"/>
                 <a:sym typeface="+mn-ea"/>
               </a:rPr>
               <a:t>17</a:t>
@@ -5972,9 +6180,9 @@
                 <a:solidFill>
                   <a:schemeClr val="bg1"/>
                 </a:solidFill>
-                <a:latin typeface="Brush Script MT" panose="03060802040406070304" charset="0"/>
+                <a:latin typeface="Bradley Hand ITC" panose="03070402050302030203" charset="0"/>
                 <a:ea typeface="Microsoft YaHei" panose="020B0503020204020204" pitchFamily="34" charset="-122"/>
-                <a:cs typeface="Brush Script MT" panose="03060802040406070304" charset="0"/>
+                <a:cs typeface="Bradley Hand ITC" panose="03070402050302030203" charset="0"/>
                 <a:sym typeface="+mn-ea"/>
               </a:rPr>
               <a:t>日</a:t>
@@ -5984,9 +6192,9 @@
                 <a:solidFill>
                   <a:schemeClr val="bg1"/>
                 </a:solidFill>
-                <a:latin typeface="Brush Script MT" panose="03060802040406070304" charset="0"/>
+                <a:latin typeface="Bradley Hand ITC" panose="03070402050302030203" charset="0"/>
                 <a:ea typeface="Microsoft YaHei" panose="020B0503020204020204" pitchFamily="34" charset="-122"/>
-                <a:cs typeface="Brush Script MT" panose="03060802040406070304" charset="0"/>
+                <a:cs typeface="Bradley Hand ITC" panose="03070402050302030203" charset="0"/>
                 <a:sym typeface="+mn-ea"/>
               </a:rPr>
               <a:t>(</a:t>
@@ -5996,9 +6204,9 @@
                 <a:solidFill>
                   <a:schemeClr val="bg1"/>
                 </a:solidFill>
-                <a:latin typeface="Brush Script MT" panose="03060802040406070304" charset="0"/>
+                <a:latin typeface="Bradley Hand ITC" panose="03070402050302030203" charset="0"/>
                 <a:ea typeface="Microsoft YaHei" panose="020B0503020204020204" pitchFamily="34" charset="-122"/>
-                <a:cs typeface="Brush Script MT" panose="03060802040406070304" charset="0"/>
+                <a:cs typeface="Bradley Hand ITC" panose="03070402050302030203" charset="0"/>
                 <a:sym typeface="+mn-ea"/>
               </a:rPr>
               <a:t>月</a:t>
@@ -6008,9 +6216,9 @@
                 <a:solidFill>
                   <a:schemeClr val="bg1"/>
                 </a:solidFill>
-                <a:latin typeface="Brush Script MT" panose="03060802040406070304" charset="0"/>
+                <a:latin typeface="Bradley Hand ITC" panose="03070402050302030203" charset="0"/>
                 <a:ea typeface="Microsoft YaHei" panose="020B0503020204020204" pitchFamily="34" charset="-122"/>
-                <a:cs typeface="Brush Script MT" panose="03060802040406070304" charset="0"/>
+                <a:cs typeface="Bradley Hand ITC" panose="03070402050302030203" charset="0"/>
                 <a:sym typeface="+mn-ea"/>
               </a:rPr>
               <a:t>)</a:t>
@@ -6019,8 +6227,9 @@
               <a:solidFill>
                 <a:schemeClr val="bg1"/>
               </a:solidFill>
-              <a:latin typeface="Century Gothic" panose="020B0502020202020204" pitchFamily="34" charset="0"/>
+              <a:latin typeface="Bradley Hand ITC" panose="03070402050302030203" charset="0"/>
               <a:ea typeface="Microsoft YaHei" panose="020B0503020204020204" pitchFamily="34" charset="-122"/>
+              <a:cs typeface="Bradley Hand ITC" panose="03070402050302030203" charset="0"/>
             </a:endParaRPr>
           </a:p>
         </p:txBody>
@@ -6060,6 +6269,27 @@
           </a:fontRef>
         </p:style>
       </p:cxnSp>
+      <p:sp>
+        <p:nvSpPr>
+          <p:cNvPr id="4" name="Slide Number Placeholder 3"/>
+          <p:cNvSpPr>
+            <a:spLocks noGrp="1"/>
+          </p:cNvSpPr>
+          <p:nvPr>
+            <p:ph type="sldNum" sz="quarter" idx="12"/>
+          </p:nvPr>
+        </p:nvSpPr>
+        <p:spPr/>
+        <p:txBody>
+          <a:bodyPr/>
+          <a:p>
+            <a:fld id="{3E644C97-CFD8-4B1A-9809-75060EC224F7}" type="slidenum">
+              <a:rPr lang="zh-CN" altLang="en-US" smtClean="0"/>
+            </a:fld>
+            <a:endParaRPr lang="zh-CN" altLang="en-US"/>
+          </a:p>
+        </p:txBody>
+      </p:sp>
     </p:spTree>
   </p:cSld>
   <p:clrMapOvr>
@@ -6574,7 +6804,7 @@
         </p:nvSpPr>
         <p:spPr>
           <a:xfrm>
-            <a:off x="757282" y="1700808"/>
+            <a:off x="756647" y="1140103"/>
             <a:ext cx="2623091" cy="521970"/>
           </a:xfrm>
           <a:prstGeom prst="rect">
@@ -7201,6 +7431,27 @@
           </a:p>
         </p:txBody>
       </p:sp>
+      <p:sp>
+        <p:nvSpPr>
+          <p:cNvPr id="3" name="Slide Number Placeholder 2"/>
+          <p:cNvSpPr>
+            <a:spLocks noGrp="1"/>
+          </p:cNvSpPr>
+          <p:nvPr>
+            <p:ph type="sldNum" sz="quarter" idx="12"/>
+          </p:nvPr>
+        </p:nvSpPr>
+        <p:spPr/>
+        <p:txBody>
+          <a:bodyPr/>
+          <a:p>
+            <a:fld id="{3E644C97-CFD8-4B1A-9809-75060EC224F7}" type="slidenum">
+              <a:rPr lang="zh-CN" altLang="en-US" smtClean="0"/>
+            </a:fld>
+            <a:endParaRPr lang="zh-CN" altLang="en-US"/>
+          </a:p>
+        </p:txBody>
+      </p:sp>
     </p:spTree>
   </p:cSld>
   <p:clrMapOvr>
@@ -7296,13 +7547,13 @@
               <a:lumMod val="75000"/>
             </a:schemeClr>
           </a:solidFill>
-          <a:ln w="28575">
+          <a:ln w="12700" cmpd="sng">
             <a:solidFill>
-              <a:schemeClr val="tx1">
-                <a:lumMod val="85000"/>
-                <a:lumOff val="15000"/>
+              <a:schemeClr val="accent1">
+                <a:shade val="50000"/>
               </a:schemeClr>
             </a:solidFill>
+            <a:prstDash val="solid"/>
           </a:ln>
         </p:spPr>
         <p:style>
@@ -7579,6 +7830,64 @@
               <a:ea typeface="Montserrat" charset="0"/>
               <a:cs typeface="Montserrat" charset="0"/>
             </a:endParaRPr>
+          </a:p>
+        </p:txBody>
+      </p:sp>
+      <p:cxnSp>
+        <p:nvCxnSpPr>
+          <p:cNvPr id="41" name="Straight Connector 13"/>
+          <p:cNvCxnSpPr/>
+          <p:nvPr/>
+        </p:nvCxnSpPr>
+        <p:spPr>
+          <a:xfrm>
+            <a:off x="879679" y="6158533"/>
+            <a:ext cx="4355261" cy="0"/>
+          </a:xfrm>
+          <a:prstGeom prst="line">
+            <a:avLst/>
+          </a:prstGeom>
+          <a:ln w="38100">
+            <a:solidFill>
+              <a:schemeClr val="tx1">
+                <a:alpha val="10000"/>
+              </a:schemeClr>
+            </a:solidFill>
+          </a:ln>
+        </p:spPr>
+        <p:style>
+          <a:lnRef idx="1">
+            <a:schemeClr val="accent1"/>
+          </a:lnRef>
+          <a:fillRef idx="0">
+            <a:schemeClr val="accent1"/>
+          </a:fillRef>
+          <a:effectRef idx="0">
+            <a:schemeClr val="accent1"/>
+          </a:effectRef>
+          <a:fontRef idx="minor">
+            <a:schemeClr val="tx1"/>
+          </a:fontRef>
+        </p:style>
+      </p:cxnSp>
+      <p:sp>
+        <p:nvSpPr>
+          <p:cNvPr id="4" name="Slide Number Placeholder 3"/>
+          <p:cNvSpPr>
+            <a:spLocks noGrp="1"/>
+          </p:cNvSpPr>
+          <p:nvPr>
+            <p:ph type="sldNum" sz="quarter" idx="12"/>
+          </p:nvPr>
+        </p:nvSpPr>
+        <p:spPr/>
+        <p:txBody>
+          <a:bodyPr/>
+          <a:p>
+            <a:fld id="{3E644C97-CFD8-4B1A-9809-75060EC224F7}" type="slidenum">
+              <a:rPr lang="zh-CN" altLang="en-US" smtClean="0"/>
+            </a:fld>
+            <a:endParaRPr lang="zh-CN" altLang="en-US"/>
           </a:p>
         </p:txBody>
       </p:sp>
@@ -7652,7 +7961,7 @@
         </p:nvSpPr>
         <p:spPr>
           <a:xfrm>
-            <a:off x="289435" y="545974"/>
+            <a:off x="269115" y="556134"/>
             <a:ext cx="340519" cy="260145"/>
           </a:xfrm>
           <a:prstGeom prst="rect">
@@ -7663,13 +7972,13 @@
               <a:lumMod val="75000"/>
             </a:schemeClr>
           </a:solidFill>
-          <a:ln w="28575">
+          <a:ln w="12700" cmpd="sng">
             <a:solidFill>
-              <a:schemeClr val="tx1">
-                <a:lumMod val="85000"/>
-                <a:lumOff val="15000"/>
+              <a:schemeClr val="accent1">
+                <a:shade val="50000"/>
               </a:schemeClr>
             </a:solidFill>
+            <a:prstDash val="solid"/>
           </a:ln>
         </p:spPr>
         <p:style>
@@ -7813,6 +8122,43 @@
           </a:p>
         </p:txBody>
       </p:sp>
+      <p:cxnSp>
+        <p:nvCxnSpPr>
+          <p:cNvPr id="41" name="Straight Connector 13"/>
+          <p:cNvCxnSpPr/>
+          <p:nvPr/>
+        </p:nvCxnSpPr>
+        <p:spPr>
+          <a:xfrm>
+            <a:off x="879679" y="6158533"/>
+            <a:ext cx="4355261" cy="0"/>
+          </a:xfrm>
+          <a:prstGeom prst="line">
+            <a:avLst/>
+          </a:prstGeom>
+          <a:ln w="38100">
+            <a:solidFill>
+              <a:schemeClr val="tx1">
+                <a:alpha val="10000"/>
+              </a:schemeClr>
+            </a:solidFill>
+          </a:ln>
+        </p:spPr>
+        <p:style>
+          <a:lnRef idx="1">
+            <a:schemeClr val="accent1"/>
+          </a:lnRef>
+          <a:fillRef idx="0">
+            <a:schemeClr val="accent1"/>
+          </a:fillRef>
+          <a:effectRef idx="0">
+            <a:schemeClr val="accent1"/>
+          </a:effectRef>
+          <a:fontRef idx="minor">
+            <a:schemeClr val="tx1"/>
+          </a:fontRef>
+        </p:style>
+      </p:cxnSp>
       <p:sp>
         <p:nvSpPr>
           <p:cNvPr id="2" name="文本框 7"/>
@@ -7865,7 +8211,7 @@
         </p:nvSpPr>
         <p:spPr>
           <a:xfrm>
-            <a:off x="264160" y="2796540"/>
+            <a:off x="243840" y="2806700"/>
             <a:ext cx="340360" cy="262890"/>
           </a:xfrm>
           <a:prstGeom prst="rect">
@@ -7876,13 +8222,13 @@
               <a:lumMod val="75000"/>
             </a:schemeClr>
           </a:solidFill>
-          <a:ln w="28575">
+          <a:ln w="12700" cmpd="sng">
             <a:solidFill>
-              <a:schemeClr val="tx1">
-                <a:lumMod val="85000"/>
-                <a:lumOff val="15000"/>
+              <a:schemeClr val="accent1">
+                <a:shade val="50000"/>
               </a:schemeClr>
             </a:solidFill>
+            <a:prstDash val="solid"/>
           </a:ln>
         </p:spPr>
         <p:style>
@@ -8027,7 +8373,7 @@
         </p:nvSpPr>
         <p:spPr>
           <a:xfrm>
-            <a:off x="274320" y="4304030"/>
+            <a:off x="274320" y="4314190"/>
             <a:ext cx="340360" cy="262890"/>
           </a:xfrm>
           <a:prstGeom prst="rect">
@@ -8038,13 +8384,13 @@
               <a:lumMod val="75000"/>
             </a:schemeClr>
           </a:solidFill>
-          <a:ln w="28575">
+          <a:ln w="12700" cmpd="sng">
             <a:solidFill>
-              <a:schemeClr val="tx1">
-                <a:lumMod val="85000"/>
-                <a:lumOff val="15000"/>
+              <a:schemeClr val="accent1">
+                <a:shade val="50000"/>
               </a:schemeClr>
             </a:solidFill>
+            <a:prstDash val="solid"/>
           </a:ln>
         </p:spPr>
         <p:style>
@@ -8125,6 +8471,27 @@
               <a:cs typeface="Montserrat" charset="0"/>
               <a:sym typeface="+mn-ea"/>
             </a:endParaRPr>
+          </a:p>
+        </p:txBody>
+      </p:sp>
+      <p:sp>
+        <p:nvSpPr>
+          <p:cNvPr id="11" name="Slide Number Placeholder 10"/>
+          <p:cNvSpPr>
+            <a:spLocks noGrp="1"/>
+          </p:cNvSpPr>
+          <p:nvPr>
+            <p:ph type="sldNum" sz="quarter" idx="12"/>
+          </p:nvPr>
+        </p:nvSpPr>
+        <p:spPr/>
+        <p:txBody>
+          <a:bodyPr/>
+          <a:p>
+            <a:fld id="{3E644C97-CFD8-4B1A-9809-75060EC224F7}" type="slidenum">
+              <a:rPr lang="zh-CN" altLang="en-US" smtClean="0"/>
+            </a:fld>
+            <a:endParaRPr lang="zh-CN" altLang="en-US"/>
           </a:p>
         </p:txBody>
       </p:sp>
@@ -8209,7 +8576,7 @@
         </p:nvSpPr>
         <p:spPr>
           <a:xfrm>
-            <a:off x="289435" y="545974"/>
+            <a:off x="289435" y="585344"/>
             <a:ext cx="340519" cy="260145"/>
           </a:xfrm>
           <a:prstGeom prst="rect">
@@ -8392,6 +8759,43 @@
           </a:p>
         </p:txBody>
       </p:sp>
+      <p:cxnSp>
+        <p:nvCxnSpPr>
+          <p:cNvPr id="41" name="Straight Connector 13"/>
+          <p:cNvCxnSpPr/>
+          <p:nvPr/>
+        </p:nvCxnSpPr>
+        <p:spPr>
+          <a:xfrm>
+            <a:off x="879679" y="6158533"/>
+            <a:ext cx="4355261" cy="0"/>
+          </a:xfrm>
+          <a:prstGeom prst="line">
+            <a:avLst/>
+          </a:prstGeom>
+          <a:ln w="38100">
+            <a:solidFill>
+              <a:schemeClr val="tx1">
+                <a:alpha val="10000"/>
+              </a:schemeClr>
+            </a:solidFill>
+          </a:ln>
+        </p:spPr>
+        <p:style>
+          <a:lnRef idx="1">
+            <a:schemeClr val="accent1"/>
+          </a:lnRef>
+          <a:fillRef idx="0">
+            <a:schemeClr val="accent1"/>
+          </a:fillRef>
+          <a:effectRef idx="0">
+            <a:schemeClr val="accent1"/>
+          </a:effectRef>
+          <a:fontRef idx="minor">
+            <a:schemeClr val="tx1"/>
+          </a:fontRef>
+        </p:style>
+      </p:cxnSp>
       <p:sp>
         <p:nvSpPr>
           <p:cNvPr id="2" name="文本框 7"/>
@@ -8545,6 +8949,135 @@
               <a:ea typeface="Montserrat" charset="0"/>
               <a:cs typeface="Montserrat" charset="0"/>
             </a:endParaRPr>
+          </a:p>
+        </p:txBody>
+      </p:sp>
+      <p:sp>
+        <p:nvSpPr>
+          <p:cNvPr id="7" name="Slide Number Placeholder 6"/>
+          <p:cNvSpPr>
+            <a:spLocks noGrp="1"/>
+          </p:cNvSpPr>
+          <p:nvPr>
+            <p:ph type="sldNum" sz="quarter" idx="12"/>
+          </p:nvPr>
+        </p:nvSpPr>
+        <p:spPr/>
+        <p:txBody>
+          <a:bodyPr/>
+          <a:p>
+            <a:fld id="{3E644C97-CFD8-4B1A-9809-75060EC224F7}" type="slidenum">
+              <a:rPr lang="zh-CN" altLang="en-US" smtClean="0"/>
+            </a:fld>
+            <a:endParaRPr lang="zh-CN" altLang="en-US"/>
+          </a:p>
+        </p:txBody>
+      </p:sp>
+      <p:sp>
+        <p:nvSpPr>
+          <p:cNvPr id="9" name="矩形 1"/>
+          <p:cNvSpPr/>
+          <p:nvPr/>
+        </p:nvSpPr>
+        <p:spPr>
+          <a:xfrm>
+            <a:off x="289435" y="595504"/>
+            <a:ext cx="340519" cy="260145"/>
+          </a:xfrm>
+          <a:prstGeom prst="rect">
+            <a:avLst/>
+          </a:prstGeom>
+          <a:solidFill>
+            <a:schemeClr val="accent1">
+              <a:lumMod val="75000"/>
+            </a:schemeClr>
+          </a:solidFill>
+          <a:ln w="12700" cmpd="sng">
+            <a:solidFill>
+              <a:schemeClr val="accent1">
+                <a:shade val="50000"/>
+              </a:schemeClr>
+            </a:solidFill>
+            <a:prstDash val="solid"/>
+          </a:ln>
+        </p:spPr>
+        <p:style>
+          <a:lnRef idx="2">
+            <a:schemeClr val="accent1">
+              <a:shade val="50000"/>
+            </a:schemeClr>
+          </a:lnRef>
+          <a:fillRef idx="1">
+            <a:schemeClr val="accent1"/>
+          </a:fillRef>
+          <a:effectRef idx="0">
+            <a:schemeClr val="accent1"/>
+          </a:effectRef>
+          <a:fontRef idx="minor">
+            <a:schemeClr val="lt1"/>
+          </a:fontRef>
+        </p:style>
+        <p:txBody>
+          <a:bodyPr rot="0" spcFirstLastPara="0" vertOverflow="overflow" horzOverflow="overflow" vert="horz" wrap="square" lIns="91440" tIns="45720" rIns="91440" bIns="45720" numCol="1" spcCol="0" rtlCol="0" fromWordArt="0" anchor="ctr" anchorCtr="0" forceAA="0" compatLnSpc="1">
+            <a:noAutofit/>
+          </a:bodyPr>
+          <a:p>
+            <a:pPr algn="ctr"/>
+            <a:endParaRPr lang="zh-CN" altLang="en-US"/>
+          </a:p>
+        </p:txBody>
+      </p:sp>
+      <p:sp>
+        <p:nvSpPr>
+          <p:cNvPr id="10" name="矩形 1"/>
+          <p:cNvSpPr/>
+          <p:nvPr/>
+        </p:nvSpPr>
+        <p:spPr>
+          <a:xfrm>
+            <a:off x="284355" y="4239134"/>
+            <a:ext cx="340519" cy="260145"/>
+          </a:xfrm>
+          <a:prstGeom prst="rect">
+            <a:avLst/>
+          </a:prstGeom>
+          <a:solidFill>
+            <a:schemeClr val="accent1">
+              <a:lumMod val="75000"/>
+            </a:schemeClr>
+          </a:solidFill>
+          <a:ln w="12700" cmpd="sng">
+            <a:solidFill>
+              <a:schemeClr val="accent1">
+                <a:shade val="50000"/>
+              </a:schemeClr>
+            </a:solidFill>
+            <a:prstDash val="solid"/>
+          </a:ln>
+        </p:spPr>
+        <p:style>
+          <a:lnRef idx="2">
+            <a:schemeClr val="accent1">
+              <a:shade val="50000"/>
+            </a:schemeClr>
+          </a:lnRef>
+          <a:fillRef idx="1">
+            <a:schemeClr val="accent1"/>
+          </a:fillRef>
+          <a:effectRef idx="0">
+            <a:schemeClr val="accent1"/>
+          </a:effectRef>
+          <a:fontRef idx="minor">
+            <a:schemeClr val="lt1"/>
+          </a:fontRef>
+        </p:style>
+        <p:txBody>
+          <a:bodyPr rot="0" spcFirstLastPara="0" vertOverflow="overflow" horzOverflow="overflow" vert="horz" wrap="square" lIns="91440" tIns="45720" rIns="91440" bIns="45720" numCol="1" spcCol="0" rtlCol="0" fromWordArt="0" anchor="ctr" anchorCtr="0" forceAA="0" compatLnSpc="1">
+            <a:noAutofit/>
+          </a:bodyPr>
+          <a:p>
+            <a:pPr algn="ctr"/>
+            <a:endParaRPr lang="zh-CN" altLang="en-US"/>
           </a:p>
         </p:txBody>
       </p:sp>
@@ -8629,13 +9162,13 @@
               <a:lumMod val="75000"/>
             </a:schemeClr>
           </a:solidFill>
-          <a:ln w="28575">
+          <a:ln w="12700" cmpd="sng">
             <a:solidFill>
-              <a:schemeClr val="tx1">
-                <a:lumMod val="85000"/>
-                <a:lumOff val="15000"/>
+              <a:schemeClr val="accent1">
+                <a:shade val="50000"/>
               </a:schemeClr>
             </a:solidFill>
+            <a:prstDash val="solid"/>
           </a:ln>
         </p:spPr>
         <p:style>
@@ -9557,6 +10090,27 @@
                 <a:schemeClr val="accent1"/>
               </a:solidFill>
             </a:endParaRPr>
+          </a:p>
+        </p:txBody>
+      </p:sp>
+      <p:sp>
+        <p:nvSpPr>
+          <p:cNvPr id="3" name="Slide Number Placeholder 2"/>
+          <p:cNvSpPr>
+            <a:spLocks noGrp="1"/>
+          </p:cNvSpPr>
+          <p:nvPr>
+            <p:ph type="sldNum" sz="quarter" idx="12"/>
+          </p:nvPr>
+        </p:nvSpPr>
+        <p:spPr/>
+        <p:txBody>
+          <a:bodyPr/>
+          <a:p>
+            <a:fld id="{3E644C97-CFD8-4B1A-9809-75060EC224F7}" type="slidenum">
+              <a:rPr lang="zh-CN" altLang="en-US" smtClean="0"/>
+            </a:fld>
+            <a:endParaRPr lang="zh-CN" altLang="en-US"/>
           </a:p>
         </p:txBody>
       </p:sp>
@@ -9640,13 +10194,13 @@
               <a:lumMod val="75000"/>
             </a:schemeClr>
           </a:solidFill>
-          <a:ln w="28575">
+          <a:ln w="12700" cmpd="sng">
             <a:solidFill>
-              <a:schemeClr val="tx1">
-                <a:lumMod val="85000"/>
-                <a:lumOff val="15000"/>
+              <a:schemeClr val="accent1">
+                <a:shade val="50000"/>
               </a:schemeClr>
             </a:solidFill>
+            <a:prstDash val="solid"/>
           </a:ln>
         </p:spPr>
         <p:style>
@@ -12111,6 +12665,27 @@
           <a:p>
             <a:pPr algn="ctr"/>
             <a:endParaRPr lang="en-US"/>
+          </a:p>
+        </p:txBody>
+      </p:sp>
+      <p:sp>
+        <p:nvSpPr>
+          <p:cNvPr id="6" name="Slide Number Placeholder 5"/>
+          <p:cNvSpPr>
+            <a:spLocks noGrp="1"/>
+          </p:cNvSpPr>
+          <p:nvPr>
+            <p:ph type="sldNum" sz="quarter" idx="12"/>
+          </p:nvPr>
+        </p:nvSpPr>
+        <p:spPr/>
+        <p:txBody>
+          <a:bodyPr/>
+          <a:p>
+            <a:fld id="{3E644C97-CFD8-4B1A-9809-75060EC224F7}" type="slidenum">
+              <a:rPr lang="zh-CN" altLang="en-US" smtClean="0"/>
+            </a:fld>
+            <a:endParaRPr lang="zh-CN" altLang="en-US"/>
           </a:p>
         </p:txBody>
       </p:sp>
@@ -12206,7 +12781,7 @@
         </p:nvSpPr>
         <p:spPr>
           <a:xfrm>
-            <a:off x="289435" y="545974"/>
+            <a:off x="289435" y="545339"/>
             <a:ext cx="340519" cy="260145"/>
           </a:xfrm>
           <a:prstGeom prst="rect">
@@ -12217,13 +12792,13 @@
               <a:lumMod val="75000"/>
             </a:schemeClr>
           </a:solidFill>
-          <a:ln w="28575">
+          <a:ln w="12700" cmpd="sng">
             <a:solidFill>
-              <a:schemeClr val="tx1">
-                <a:lumMod val="85000"/>
-                <a:lumOff val="15000"/>
+              <a:schemeClr val="accent1">
+                <a:shade val="50000"/>
               </a:schemeClr>
             </a:solidFill>
+            <a:prstDash val="solid"/>
           </a:ln>
         </p:spPr>
         <p:style>
@@ -12252,6 +12827,43 @@
           </a:p>
         </p:txBody>
       </p:sp>
+      <p:cxnSp>
+        <p:nvCxnSpPr>
+          <p:cNvPr id="41" name="Straight Connector 13"/>
+          <p:cNvCxnSpPr/>
+          <p:nvPr/>
+        </p:nvCxnSpPr>
+        <p:spPr>
+          <a:xfrm>
+            <a:off x="879679" y="6158533"/>
+            <a:ext cx="4355261" cy="0"/>
+          </a:xfrm>
+          <a:prstGeom prst="line">
+            <a:avLst/>
+          </a:prstGeom>
+          <a:ln w="38100">
+            <a:solidFill>
+              <a:schemeClr val="tx1">
+                <a:alpha val="10000"/>
+              </a:schemeClr>
+            </a:solidFill>
+          </a:ln>
+        </p:spPr>
+        <p:style>
+          <a:lnRef idx="1">
+            <a:schemeClr val="accent1"/>
+          </a:lnRef>
+          <a:fillRef idx="0">
+            <a:schemeClr val="accent1"/>
+          </a:fillRef>
+          <a:effectRef idx="0">
+            <a:schemeClr val="accent1"/>
+          </a:effectRef>
+          <a:fontRef idx="minor">
+            <a:schemeClr val="tx1"/>
+          </a:fontRef>
+        </p:style>
+      </p:cxnSp>
       <p:sp>
         <p:nvSpPr>
           <p:cNvPr id="37" name="TextBox 9"/>
@@ -12419,6 +13031,27 @@
               <a:ea typeface="Montserrat" charset="0"/>
               <a:cs typeface="Montserrat" charset="0"/>
             </a:endParaRPr>
+          </a:p>
+        </p:txBody>
+      </p:sp>
+      <p:sp>
+        <p:nvSpPr>
+          <p:cNvPr id="3" name="Slide Number Placeholder 2"/>
+          <p:cNvSpPr>
+            <a:spLocks noGrp="1"/>
+          </p:cNvSpPr>
+          <p:nvPr>
+            <p:ph type="sldNum" sz="quarter" idx="12"/>
+          </p:nvPr>
+        </p:nvSpPr>
+        <p:spPr/>
+        <p:txBody>
+          <a:bodyPr/>
+          <a:p>
+            <a:fld id="{3E644C97-CFD8-4B1A-9809-75060EC224F7}" type="slidenum">
+              <a:rPr lang="zh-CN" altLang="en-US" smtClean="0"/>
+            </a:fld>
+            <a:endParaRPr lang="zh-CN" altLang="en-US"/>
           </a:p>
         </p:txBody>
       </p:sp>
@@ -12503,13 +13136,13 @@
               <a:lumMod val="75000"/>
             </a:schemeClr>
           </a:solidFill>
-          <a:ln w="28575">
+          <a:ln w="12700" cmpd="sng">
             <a:solidFill>
-              <a:schemeClr val="tx1">
-                <a:lumMod val="85000"/>
-                <a:lumOff val="15000"/>
+              <a:schemeClr val="accent1">
+                <a:shade val="50000"/>
               </a:schemeClr>
             </a:solidFill>
+            <a:prstDash val="solid"/>
           </a:ln>
         </p:spPr>
         <p:style>
@@ -12538,6 +13171,43 @@
           </a:p>
         </p:txBody>
       </p:sp>
+      <p:cxnSp>
+        <p:nvCxnSpPr>
+          <p:cNvPr id="41" name="Straight Connector 13"/>
+          <p:cNvCxnSpPr/>
+          <p:nvPr/>
+        </p:nvCxnSpPr>
+        <p:spPr>
+          <a:xfrm>
+            <a:off x="879679" y="6158533"/>
+            <a:ext cx="4355261" cy="0"/>
+          </a:xfrm>
+          <a:prstGeom prst="line">
+            <a:avLst/>
+          </a:prstGeom>
+          <a:ln w="38100">
+            <a:solidFill>
+              <a:schemeClr val="tx1">
+                <a:alpha val="10000"/>
+              </a:schemeClr>
+            </a:solidFill>
+          </a:ln>
+        </p:spPr>
+        <p:style>
+          <a:lnRef idx="1">
+            <a:schemeClr val="accent1"/>
+          </a:lnRef>
+          <a:fillRef idx="0">
+            <a:schemeClr val="accent1"/>
+          </a:fillRef>
+          <a:effectRef idx="0">
+            <a:schemeClr val="accent1"/>
+          </a:effectRef>
+          <a:fontRef idx="minor">
+            <a:schemeClr val="tx1"/>
+          </a:fontRef>
+        </p:style>
+      </p:cxnSp>
       <p:sp>
         <p:nvSpPr>
           <p:cNvPr id="37" name="TextBox 9"/>
@@ -12623,6 +13293,27 @@
               <a:ea typeface="Montserrat" charset="0"/>
               <a:cs typeface="Montserrat" charset="0"/>
             </a:endParaRPr>
+          </a:p>
+        </p:txBody>
+      </p:sp>
+      <p:sp>
+        <p:nvSpPr>
+          <p:cNvPr id="3" name="Slide Number Placeholder 2"/>
+          <p:cNvSpPr>
+            <a:spLocks noGrp="1"/>
+          </p:cNvSpPr>
+          <p:nvPr>
+            <p:ph type="sldNum" sz="quarter" idx="12"/>
+          </p:nvPr>
+        </p:nvSpPr>
+        <p:spPr/>
+        <p:txBody>
+          <a:bodyPr/>
+          <a:p>
+            <a:fld id="{3E644C97-CFD8-4B1A-9809-75060EC224F7}" type="slidenum">
+              <a:rPr lang="zh-CN" altLang="en-US" smtClean="0"/>
+            </a:fld>
+            <a:endParaRPr lang="zh-CN" altLang="en-US"/>
           </a:p>
         </p:txBody>
       </p:sp>
